--- a/ITI/TF/Volume1/media/Figure_6.3-1.pptx
+++ b/ITI/TF/Volume1/media/Figure_6.3-1.pptx
@@ -104,6 +104,11 @@
       </a:defRPr>
     </a:lvl9pPr>
   </p:defaultTextStyle>
+  <p:extLst>
+    <p:ext uri="{EFAFB233-063F-42B5-8137-9DF3F51BA10A}">
+      <p15:sldGuideLst xmlns:p15="http://schemas.microsoft.com/office/powerpoint/2012/main"/>
+    </p:ext>
+  </p:extLst>
 </p:presentation>
 </file>
 
@@ -254,7 +259,7 @@
           <a:p>
             <a:fld id="{D02694E2-923A-A042-9F69-A18355C21ED9}" type="datetimeFigureOut">
               <a:rPr lang="en-US" smtClean="0"/>
-              <a:t>8/10/20</a:t>
+              <a:t>8/25/20</a:t>
             </a:fld>
             <a:endParaRPr lang="en-US"/>
           </a:p>
@@ -452,7 +457,7 @@
           <a:p>
             <a:fld id="{D02694E2-923A-A042-9F69-A18355C21ED9}" type="datetimeFigureOut">
               <a:rPr lang="en-US" smtClean="0"/>
-              <a:t>8/10/20</a:t>
+              <a:t>8/25/20</a:t>
             </a:fld>
             <a:endParaRPr lang="en-US"/>
           </a:p>
@@ -660,7 +665,7 @@
           <a:p>
             <a:fld id="{D02694E2-923A-A042-9F69-A18355C21ED9}" type="datetimeFigureOut">
               <a:rPr lang="en-US" smtClean="0"/>
-              <a:t>8/10/20</a:t>
+              <a:t>8/25/20</a:t>
             </a:fld>
             <a:endParaRPr lang="en-US"/>
           </a:p>
@@ -858,7 +863,7 @@
           <a:p>
             <a:fld id="{D02694E2-923A-A042-9F69-A18355C21ED9}" type="datetimeFigureOut">
               <a:rPr lang="en-US" smtClean="0"/>
-              <a:t>8/10/20</a:t>
+              <a:t>8/25/20</a:t>
             </a:fld>
             <a:endParaRPr lang="en-US"/>
           </a:p>
@@ -1133,7 +1138,7 @@
           <a:p>
             <a:fld id="{D02694E2-923A-A042-9F69-A18355C21ED9}" type="datetimeFigureOut">
               <a:rPr lang="en-US" smtClean="0"/>
-              <a:t>8/10/20</a:t>
+              <a:t>8/25/20</a:t>
             </a:fld>
             <a:endParaRPr lang="en-US"/>
           </a:p>
@@ -1398,7 +1403,7 @@
           <a:p>
             <a:fld id="{D02694E2-923A-A042-9F69-A18355C21ED9}" type="datetimeFigureOut">
               <a:rPr lang="en-US" smtClean="0"/>
-              <a:t>8/10/20</a:t>
+              <a:t>8/25/20</a:t>
             </a:fld>
             <a:endParaRPr lang="en-US"/>
           </a:p>
@@ -1810,7 +1815,7 @@
           <a:p>
             <a:fld id="{D02694E2-923A-A042-9F69-A18355C21ED9}" type="datetimeFigureOut">
               <a:rPr lang="en-US" smtClean="0"/>
-              <a:t>8/10/20</a:t>
+              <a:t>8/25/20</a:t>
             </a:fld>
             <a:endParaRPr lang="en-US"/>
           </a:p>
@@ -1951,7 +1956,7 @@
           <a:p>
             <a:fld id="{D02694E2-923A-A042-9F69-A18355C21ED9}" type="datetimeFigureOut">
               <a:rPr lang="en-US" smtClean="0"/>
-              <a:t>8/10/20</a:t>
+              <a:t>8/25/20</a:t>
             </a:fld>
             <a:endParaRPr lang="en-US"/>
           </a:p>
@@ -2064,7 +2069,7 @@
           <a:p>
             <a:fld id="{D02694E2-923A-A042-9F69-A18355C21ED9}" type="datetimeFigureOut">
               <a:rPr lang="en-US" smtClean="0"/>
-              <a:t>8/10/20</a:t>
+              <a:t>8/25/20</a:t>
             </a:fld>
             <a:endParaRPr lang="en-US"/>
           </a:p>
@@ -2375,7 +2380,7 @@
           <a:p>
             <a:fld id="{D02694E2-923A-A042-9F69-A18355C21ED9}" type="datetimeFigureOut">
               <a:rPr lang="en-US" smtClean="0"/>
-              <a:t>8/10/20</a:t>
+              <a:t>8/25/20</a:t>
             </a:fld>
             <a:endParaRPr lang="en-US"/>
           </a:p>
@@ -2663,7 +2668,7 @@
           <a:p>
             <a:fld id="{D02694E2-923A-A042-9F69-A18355C21ED9}" type="datetimeFigureOut">
               <a:rPr lang="en-US" smtClean="0"/>
-              <a:t>8/10/20</a:t>
+              <a:t>8/25/20</a:t>
             </a:fld>
             <a:endParaRPr lang="en-US"/>
           </a:p>
@@ -2904,7 +2909,7 @@
           <a:p>
             <a:fld id="{D02694E2-923A-A042-9F69-A18355C21ED9}" type="datetimeFigureOut">
               <a:rPr lang="en-US" smtClean="0"/>
-              <a:t>8/10/20</a:t>
+              <a:t>8/25/20</a:t>
             </a:fld>
             <a:endParaRPr lang="en-US"/>
           </a:p>
@@ -3337,7 +3342,7 @@
         </p:nvSpPr>
         <p:spPr bwMode="auto">
           <a:xfrm>
-            <a:off x="3271838" y="3260725"/>
+            <a:off x="3271838" y="3227272"/>
             <a:ext cx="1154112" cy="119063"/>
           </a:xfrm>
           <a:prstGeom prst="rect">
@@ -3387,7 +3392,7 @@
               <a:tabLst/>
             </a:pPr>
             <a:r>
-              <a:rPr kumimoji="0" lang="en-US" altLang="en-US" sz="800" b="0" i="0" u="none" strike="noStrike" cap="none" normalizeH="0" baseline="0">
+              <a:rPr kumimoji="0" lang="en-US" altLang="en-US" sz="800" b="0" i="0" u="none" strike="noStrike" cap="none" normalizeH="0" baseline="0" dirty="0">
                 <a:ln>
                   <a:noFill/>
                 </a:ln>
@@ -3400,7 +3405,7 @@
               </a:rPr>
               <a:t>Change Context [ITI-6] </a:t>
             </a:r>
-            <a:endParaRPr kumimoji="0" lang="en-US" altLang="en-US" sz="1800" b="0" i="0" u="none" strike="noStrike" cap="none" normalizeH="0" baseline="0">
+            <a:endParaRPr kumimoji="0" lang="en-US" altLang="en-US" sz="1800" b="0" i="0" u="none" strike="noStrike" cap="none" normalizeH="0" baseline="0" dirty="0">
               <a:ln>
                 <a:noFill/>
               </a:ln>
@@ -3429,7 +3434,7 @@
         </p:nvSpPr>
         <p:spPr bwMode="auto">
           <a:xfrm>
-            <a:off x="3324225" y="2430463"/>
+            <a:off x="3257319" y="2408161"/>
             <a:ext cx="1187450" cy="119062"/>
           </a:xfrm>
           <a:prstGeom prst="rect">
@@ -3479,7 +3484,7 @@
               <a:tabLst/>
             </a:pPr>
             <a:r>
-              <a:rPr kumimoji="0" lang="en-US" altLang="en-US" sz="800" b="0" i="0" u="none" strike="noStrike" cap="none" normalizeH="0" baseline="0">
+              <a:rPr kumimoji="0" lang="en-US" altLang="en-US" sz="800" b="0" i="0" u="none" strike="noStrike" cap="none" normalizeH="0" baseline="0" dirty="0">
                 <a:ln>
                   <a:noFill/>
                 </a:ln>
@@ -3492,7 +3497,7 @@
               </a:rPr>
               <a:t>Follow Context [ITI-13] </a:t>
             </a:r>
-            <a:endParaRPr kumimoji="0" lang="en-US" altLang="en-US" sz="1800" b="0" i="0" u="none" strike="noStrike" cap="none" normalizeH="0" baseline="0">
+            <a:endParaRPr kumimoji="0" lang="en-US" altLang="en-US" sz="1800" b="0" i="0" u="none" strike="noStrike" cap="none" normalizeH="0" baseline="0" dirty="0">
               <a:ln>
                 <a:noFill/>
               </a:ln>
@@ -3522,7 +3527,7 @@
         <p:spPr bwMode="auto">
           <a:xfrm>
             <a:off x="1112838" y="457200"/>
-            <a:ext cx="954087" cy="666750"/>
+            <a:ext cx="1217765" cy="608004"/>
           </a:xfrm>
           <a:prstGeom prst="rect">
             <a:avLst/>
@@ -3571,7 +3576,7 @@
               <a:tabLst/>
             </a:pPr>
             <a:r>
-              <a:rPr kumimoji="0" lang="en-US" altLang="en-US" sz="1000" b="0" i="0" u="none" strike="noStrike" cap="none" normalizeH="0" baseline="0">
+              <a:rPr kumimoji="0" lang="en-US" altLang="en-US" sz="1000" b="0" i="0" u="none" strike="noStrike" cap="none" normalizeH="0" baseline="0" dirty="0">
                 <a:ln>
                   <a:noFill/>
                 </a:ln>
@@ -3584,7 +3589,7 @@
               </a:rPr>
               <a:t>Patient Context </a:t>
             </a:r>
-            <a:endParaRPr kumimoji="0" lang="en-US" altLang="en-US" sz="1000" b="0" i="0" u="none" strike="noStrike" cap="none" normalizeH="0" baseline="0">
+            <a:endParaRPr kumimoji="0" lang="en-US" altLang="en-US" sz="1000" b="0" i="0" u="none" strike="noStrike" cap="none" normalizeH="0" baseline="0" dirty="0">
               <a:ln>
                 <a:noFill/>
               </a:ln>
@@ -3613,7 +3618,7 @@
               <a:tabLst/>
             </a:pPr>
             <a:r>
-              <a:rPr kumimoji="0" lang="en-US" altLang="en-US" sz="1000" b="0" i="0" u="none" strike="noStrike" cap="none" normalizeH="0" baseline="0">
+              <a:rPr kumimoji="0" lang="en-US" altLang="en-US" sz="1000" b="0" i="0" u="none" strike="noStrike" cap="none" normalizeH="0" baseline="0" dirty="0">
                 <a:ln>
                   <a:noFill/>
                 </a:ln>
@@ -3626,7 +3631,7 @@
               </a:rPr>
               <a:t>Participant 1 (clinical data repository)</a:t>
             </a:r>
-            <a:endParaRPr kumimoji="0" lang="en-US" altLang="en-US" sz="1800" b="0" i="0" u="none" strike="noStrike" cap="none" normalizeH="0" baseline="0">
+            <a:endParaRPr kumimoji="0" lang="en-US" altLang="en-US" sz="1800" b="0" i="0" u="none" strike="noStrike" cap="none" normalizeH="0" baseline="0" dirty="0">
               <a:ln>
                 <a:noFill/>
               </a:ln>
@@ -3707,7 +3712,7 @@
         </p:nvSpPr>
         <p:spPr bwMode="auto">
           <a:xfrm>
-            <a:off x="2698750" y="457200"/>
+            <a:off x="2586831" y="467113"/>
             <a:ext cx="944563" cy="320675"/>
           </a:xfrm>
           <a:prstGeom prst="rect">
@@ -3893,7 +3898,7 @@
         </p:nvSpPr>
         <p:spPr bwMode="auto">
           <a:xfrm>
-            <a:off x="3205163" y="2311400"/>
+            <a:off x="3171710" y="2311400"/>
             <a:ext cx="1306512" cy="0"/>
           </a:xfrm>
           <a:prstGeom prst="line">
@@ -4042,8 +4047,8 @@
         </p:nvSpPr>
         <p:spPr bwMode="auto">
           <a:xfrm>
-            <a:off x="4986338" y="4211638"/>
-            <a:ext cx="712787" cy="238125"/>
+            <a:off x="4986339" y="4133581"/>
+            <a:ext cx="676922" cy="285750"/>
           </a:xfrm>
           <a:prstGeom prst="rect">
             <a:avLst/>
@@ -4100,8 +4105,9 @@
                   <a:schemeClr val="tx1"/>
                 </a:solidFill>
                 <a:effectLst/>
-                <a:latin typeface="Arial" panose="020B0604020202020204" pitchFamily="34" charset="0"/>
+                <a:latin typeface="Times New Roman" panose="02020603050405020304" pitchFamily="18" charset="0"/>
                 <a:ea typeface="Times New Roman" panose="02020603050405020304" pitchFamily="18" charset="0"/>
+                <a:cs typeface="Times New Roman" panose="02020603050405020304" pitchFamily="18" charset="0"/>
               </a:rPr>
               <a:t>User closes application </a:t>
             </a:r>
@@ -4113,7 +4119,8 @@
                 <a:schemeClr val="tx1"/>
               </a:solidFill>
               <a:effectLst/>
-              <a:latin typeface="Arial" panose="020B0604020202020204" pitchFamily="34" charset="0"/>
+              <a:latin typeface="Times New Roman" panose="02020603050405020304" pitchFamily="18" charset="0"/>
+              <a:cs typeface="Times New Roman" panose="02020603050405020304" pitchFamily="18" charset="0"/>
             </a:endParaRPr>
           </a:p>
         </p:txBody>
@@ -4396,7 +4403,7 @@
         </p:nvSpPr>
         <p:spPr bwMode="auto">
           <a:xfrm>
-            <a:off x="1779588" y="1717675"/>
+            <a:off x="1779588" y="1684222"/>
             <a:ext cx="1058862" cy="161925"/>
           </a:xfrm>
           <a:prstGeom prst="rect">
@@ -4733,7 +4740,7 @@
         </p:nvSpPr>
         <p:spPr bwMode="auto">
           <a:xfrm>
-            <a:off x="1779588" y="3260725"/>
+            <a:off x="1779588" y="3227272"/>
             <a:ext cx="1154112" cy="119063"/>
           </a:xfrm>
           <a:prstGeom prst="rect">
@@ -4825,7 +4832,7 @@
         </p:nvSpPr>
         <p:spPr bwMode="auto">
           <a:xfrm>
-            <a:off x="3271838" y="4330700"/>
+            <a:off x="3271838" y="4308398"/>
             <a:ext cx="1154112" cy="119063"/>
           </a:xfrm>
           <a:prstGeom prst="rect">
@@ -4875,7 +4882,7 @@
               <a:tabLst/>
             </a:pPr>
             <a:r>
-              <a:rPr kumimoji="0" lang="en-US" altLang="en-US" sz="800" b="0" i="0" u="none" strike="noStrike" cap="none" normalizeH="0" baseline="0">
+              <a:rPr kumimoji="0" lang="en-US" altLang="en-US" sz="800" b="0" i="0" u="none" strike="noStrike" cap="none" normalizeH="0" baseline="0" dirty="0">
                 <a:ln>
                   <a:noFill/>
                 </a:ln>
@@ -4888,7 +4895,7 @@
               </a:rPr>
               <a:t>Leave Context [ITI-7] </a:t>
             </a:r>
-            <a:endParaRPr kumimoji="0" lang="en-US" altLang="en-US" sz="1800" b="0" i="0" u="none" strike="noStrike" cap="none" normalizeH="0" baseline="0">
+            <a:endParaRPr kumimoji="0" lang="en-US" altLang="en-US" sz="1800" b="0" i="0" u="none" strike="noStrike" cap="none" normalizeH="0" baseline="0" dirty="0">
               <a:ln>
                 <a:noFill/>
               </a:ln>
@@ -4917,7 +4924,7 @@
         </p:nvSpPr>
         <p:spPr bwMode="auto">
           <a:xfrm>
-            <a:off x="1779588" y="3854450"/>
+            <a:off x="1779588" y="3820997"/>
             <a:ext cx="1154112" cy="119063"/>
           </a:xfrm>
           <a:prstGeom prst="rect">
@@ -4967,7 +4974,7 @@
               <a:tabLst/>
             </a:pPr>
             <a:r>
-              <a:rPr kumimoji="0" lang="en-US" altLang="en-US" sz="800" b="0" i="0" u="none" strike="noStrike" cap="none" normalizeH="0" baseline="0">
+              <a:rPr kumimoji="0" lang="en-US" altLang="en-US" sz="800" b="0" i="0" u="none" strike="noStrike" cap="none" normalizeH="0" baseline="0" dirty="0">
                 <a:ln>
                   <a:noFill/>
                 </a:ln>
@@ -4980,7 +4987,7 @@
               </a:rPr>
               <a:t>Leave Context [ITI-7]</a:t>
             </a:r>
-            <a:endParaRPr kumimoji="0" lang="en-US" altLang="en-US" sz="1800" b="0" i="0" u="none" strike="noStrike" cap="none" normalizeH="0" baseline="0">
+            <a:endParaRPr kumimoji="0" lang="en-US" altLang="en-US" sz="1800" b="0" i="0" u="none" strike="noStrike" cap="none" normalizeH="0" baseline="0" dirty="0">
               <a:ln>
                 <a:noFill/>
               </a:ln>
@@ -5110,7 +5117,7 @@
               <a:tabLst/>
             </a:pPr>
             <a:r>
-              <a:rPr kumimoji="0" lang="en-US" altLang="en-US" sz="800" b="0" i="1" u="none" strike="noStrike" cap="none" normalizeH="0" baseline="0">
+              <a:rPr kumimoji="0" lang="en-US" altLang="en-US" sz="800" b="0" i="1" u="none" strike="noStrike" cap="none" normalizeH="0" baseline="0" dirty="0">
                 <a:ln>
                   <a:noFill/>
                 </a:ln>
@@ -5118,12 +5125,13 @@
                   <a:schemeClr val="tx1"/>
                 </a:solidFill>
                 <a:effectLst/>
-                <a:latin typeface="Arial" panose="020B0604020202020204" pitchFamily="34" charset="0"/>
+                <a:latin typeface="Times New Roman" panose="02020603050405020304" pitchFamily="18" charset="0"/>
                 <a:ea typeface="Times New Roman" panose="02020603050405020304" pitchFamily="18" charset="0"/>
+                <a:cs typeface="Times New Roman" panose="02020603050405020304" pitchFamily="18" charset="0"/>
               </a:rPr>
               <a:t>User closes application</a:t>
             </a:r>
-            <a:endParaRPr kumimoji="0" lang="en-US" altLang="en-US" sz="1800" b="0" i="0" u="none" strike="noStrike" cap="none" normalizeH="0" baseline="0">
+            <a:endParaRPr kumimoji="0" lang="en-US" altLang="en-US" sz="1800" b="0" i="0" u="none" strike="noStrike" cap="none" normalizeH="0" baseline="0" dirty="0">
               <a:ln>
                 <a:noFill/>
               </a:ln>
@@ -5131,7 +5139,8 @@
                 <a:schemeClr val="tx1"/>
               </a:solidFill>
               <a:effectLst/>
-              <a:latin typeface="Arial" panose="020B0604020202020204" pitchFamily="34" charset="0"/>
+              <a:latin typeface="Times New Roman" panose="02020603050405020304" pitchFamily="18" charset="0"/>
+              <a:cs typeface="Times New Roman" panose="02020603050405020304" pitchFamily="18" charset="0"/>
             </a:endParaRPr>
           </a:p>
         </p:txBody>
@@ -5351,7 +5360,7 @@
         </p:nvSpPr>
         <p:spPr bwMode="auto">
           <a:xfrm>
-            <a:off x="592138" y="1955800"/>
+            <a:off x="647893" y="1866592"/>
             <a:ext cx="712787" cy="304800"/>
           </a:xfrm>
           <a:prstGeom prst="rect">
@@ -5401,7 +5410,7 @@
               <a:tabLst/>
             </a:pPr>
             <a:r>
-              <a:rPr kumimoji="0" lang="en-US" altLang="en-US" sz="800" b="0" i="1" u="none" strike="noStrike" cap="none" normalizeH="0" baseline="0">
+              <a:rPr kumimoji="0" lang="en-US" altLang="en-US" sz="800" b="0" i="1" u="none" strike="noStrike" cap="none" normalizeH="0" baseline="0" dirty="0">
                 <a:ln>
                   <a:noFill/>
                 </a:ln>
@@ -5409,12 +5418,13 @@
                   <a:schemeClr val="tx1"/>
                 </a:solidFill>
                 <a:effectLst/>
-                <a:latin typeface="Arial" panose="020B0604020202020204" pitchFamily="34" charset="0"/>
+                <a:latin typeface="Times New Roman" panose="02020603050405020304" pitchFamily="18" charset="0"/>
                 <a:ea typeface="Times New Roman" panose="02020603050405020304" pitchFamily="18" charset="0"/>
+                <a:cs typeface="Times New Roman" panose="02020603050405020304" pitchFamily="18" charset="0"/>
               </a:rPr>
               <a:t>User selects patient A</a:t>
             </a:r>
-            <a:endParaRPr kumimoji="0" lang="en-US" altLang="en-US" sz="1800" b="0" i="0" u="none" strike="noStrike" cap="none" normalizeH="0" baseline="0">
+            <a:endParaRPr kumimoji="0" lang="en-US" altLang="en-US" sz="1800" b="0" i="0" u="none" strike="noStrike" cap="none" normalizeH="0" baseline="0" dirty="0">
               <a:ln>
                 <a:noFill/>
               </a:ln>
@@ -5422,7 +5432,8 @@
                 <a:schemeClr val="tx1"/>
               </a:solidFill>
               <a:effectLst/>
-              <a:latin typeface="Arial" panose="020B0604020202020204" pitchFamily="34" charset="0"/>
+              <a:latin typeface="Times New Roman" panose="02020603050405020304" pitchFamily="18" charset="0"/>
+              <a:cs typeface="Times New Roman" panose="02020603050405020304" pitchFamily="18" charset="0"/>
             </a:endParaRPr>
           </a:p>
         </p:txBody>
@@ -5443,8 +5454,8 @@
         </p:nvSpPr>
         <p:spPr bwMode="auto">
           <a:xfrm>
-            <a:off x="4986338" y="3143250"/>
-            <a:ext cx="831850" cy="238125"/>
+            <a:off x="4997489" y="3031740"/>
+            <a:ext cx="789994" cy="285750"/>
           </a:xfrm>
           <a:prstGeom prst="rect">
             <a:avLst/>
@@ -5501,8 +5512,9 @@
                   <a:schemeClr val="tx1"/>
                 </a:solidFill>
                 <a:effectLst/>
-                <a:latin typeface="Arial" panose="020B0604020202020204" pitchFamily="34" charset="0"/>
+                <a:latin typeface="Times New Roman" panose="02020603050405020304" pitchFamily="18" charset="0"/>
                 <a:ea typeface="Times New Roman" panose="02020603050405020304" pitchFamily="18" charset="0"/>
+                <a:cs typeface="Times New Roman" panose="02020603050405020304" pitchFamily="18" charset="0"/>
               </a:rPr>
               <a:t>User selects patient B </a:t>
             </a:r>
@@ -5514,7 +5526,8 @@
                 <a:schemeClr val="tx1"/>
               </a:solidFill>
               <a:effectLst/>
-              <a:latin typeface="Arial" panose="020B0604020202020204" pitchFamily="34" charset="0"/>
+              <a:latin typeface="Times New Roman" panose="02020603050405020304" pitchFamily="18" charset="0"/>
+              <a:cs typeface="Times New Roman" panose="02020603050405020304" pitchFamily="18" charset="0"/>
             </a:endParaRPr>
           </a:p>
         </p:txBody>
@@ -5535,8 +5548,8 @@
         </p:nvSpPr>
         <p:spPr bwMode="auto">
           <a:xfrm>
-            <a:off x="4986338" y="2667000"/>
-            <a:ext cx="831850" cy="238125"/>
+            <a:off x="4986338" y="2566641"/>
+            <a:ext cx="789994" cy="285750"/>
           </a:xfrm>
           <a:prstGeom prst="rect">
             <a:avLst/>
@@ -5585,7 +5598,7 @@
               <a:tabLst/>
             </a:pPr>
             <a:r>
-              <a:rPr kumimoji="0" lang="en-US" altLang="en-US" sz="800" b="0" i="1" u="none" strike="noStrike" cap="none" normalizeH="0" baseline="0">
+              <a:rPr kumimoji="0" lang="en-US" altLang="en-US" sz="800" b="0" i="1" u="none" strike="noStrike" cap="none" normalizeH="0" baseline="0" dirty="0">
                 <a:ln>
                   <a:noFill/>
                 </a:ln>
@@ -5593,12 +5606,13 @@
                   <a:schemeClr val="tx1"/>
                 </a:solidFill>
                 <a:effectLst/>
-                <a:latin typeface="Arial" panose="020B0604020202020204" pitchFamily="34" charset="0"/>
+                <a:latin typeface="Times New Roman" panose="02020603050405020304" pitchFamily="18" charset="0"/>
                 <a:ea typeface="Times New Roman" panose="02020603050405020304" pitchFamily="18" charset="0"/>
+                <a:cs typeface="Times New Roman" panose="02020603050405020304" pitchFamily="18" charset="0"/>
               </a:rPr>
               <a:t>Application tunes to patient A</a:t>
             </a:r>
-            <a:endParaRPr kumimoji="0" lang="en-US" altLang="en-US" sz="1800" b="0" i="0" u="none" strike="noStrike" cap="none" normalizeH="0" baseline="0">
+            <a:endParaRPr kumimoji="0" lang="en-US" altLang="en-US" sz="1800" b="0" i="0" u="none" strike="noStrike" cap="none" normalizeH="0" baseline="0" dirty="0">
               <a:ln>
                 <a:noFill/>
               </a:ln>
@@ -5606,7 +5620,8 @@
                 <a:schemeClr val="tx1"/>
               </a:solidFill>
               <a:effectLst/>
-              <a:latin typeface="Arial" panose="020B0604020202020204" pitchFamily="34" charset="0"/>
+              <a:latin typeface="Times New Roman" panose="02020603050405020304" pitchFamily="18" charset="0"/>
+              <a:cs typeface="Times New Roman" panose="02020603050405020304" pitchFamily="18" charset="0"/>
             </a:endParaRPr>
           </a:p>
         </p:txBody>
@@ -6583,6 +6598,691 @@
           </a:p>
         </p:txBody>
       </p:sp>
+      <p:sp>
+        <p:nvSpPr>
+          <p:cNvPr id="53" name="Line 23">
+            <a:extLst>
+              <a:ext uri="{FF2B5EF4-FFF2-40B4-BE49-F238E27FC236}">
+                <a16:creationId xmlns:a16="http://schemas.microsoft.com/office/drawing/2014/main" id="{F436DBBA-F3D6-214B-A5DA-D08C871AE661}"/>
+              </a:ext>
+            </a:extLst>
+          </p:cNvPr>
+          <p:cNvSpPr>
+            <a:spLocks noChangeShapeType="1"/>
+          </p:cNvSpPr>
+          <p:nvPr/>
+        </p:nvSpPr>
+        <p:spPr bwMode="auto">
+          <a:xfrm>
+            <a:off x="1210998" y="2073783"/>
+            <a:ext cx="296418" cy="0"/>
+          </a:xfrm>
+          <a:prstGeom prst="line">
+            <a:avLst/>
+          </a:prstGeom>
+          <a:noFill/>
+          <a:ln w="9525">
+            <a:solidFill>
+              <a:srgbClr val="000000"/>
+            </a:solidFill>
+            <a:round/>
+            <a:headEnd/>
+            <a:tailEnd type="triangle" w="med" len="med"/>
+          </a:ln>
+          <a:extLst>
+            <a:ext uri="{909E8E84-426E-40DD-AFC4-6F175D3DCCD1}">
+              <a14:hiddenFill xmlns:a14="http://schemas.microsoft.com/office/drawing/2010/main">
+                <a:noFill/>
+              </a14:hiddenFill>
+            </a:ext>
+          </a:extLst>
+        </p:spPr>
+        <p:txBody>
+          <a:bodyPr vert="horz" wrap="square" lIns="91440" tIns="45720" rIns="91440" bIns="45720" numCol="1" anchor="t" anchorCtr="0" compatLnSpc="1">
+            <a:prstTxWarp prst="textNoShape">
+              <a:avLst/>
+            </a:prstTxWarp>
+          </a:bodyPr>
+          <a:lstStyle/>
+          <a:p>
+            <a:endParaRPr lang="en-US"/>
+          </a:p>
+        </p:txBody>
+      </p:sp>
+      <p:cxnSp>
+        <p:nvCxnSpPr>
+          <p:cNvPr id="54" name="Straight Connector 53">
+            <a:extLst>
+              <a:ext uri="{FF2B5EF4-FFF2-40B4-BE49-F238E27FC236}">
+                <a16:creationId xmlns:a16="http://schemas.microsoft.com/office/drawing/2014/main" id="{AD5EA856-E17A-A846-9EB2-C5D107FC1642}"/>
+              </a:ext>
+            </a:extLst>
+          </p:cNvPr>
+          <p:cNvCxnSpPr>
+            <a:cxnSpLocks/>
+          </p:cNvCxnSpPr>
+          <p:nvPr/>
+        </p:nvCxnSpPr>
+        <p:spPr>
+          <a:xfrm>
+            <a:off x="1217484" y="1931686"/>
+            <a:ext cx="0" cy="141589"/>
+          </a:xfrm>
+          <a:prstGeom prst="line">
+            <a:avLst/>
+          </a:prstGeom>
+          <a:ln w="12700">
+            <a:solidFill>
+              <a:schemeClr val="tx1"/>
+            </a:solidFill>
+          </a:ln>
+        </p:spPr>
+        <p:style>
+          <a:lnRef idx="1">
+            <a:schemeClr val="accent1"/>
+          </a:lnRef>
+          <a:fillRef idx="0">
+            <a:schemeClr val="accent1"/>
+          </a:fillRef>
+          <a:effectRef idx="0">
+            <a:schemeClr val="accent1"/>
+          </a:effectRef>
+          <a:fontRef idx="minor">
+            <a:schemeClr val="tx1"/>
+          </a:fontRef>
+        </p:style>
+      </p:cxnSp>
+      <p:cxnSp>
+        <p:nvCxnSpPr>
+          <p:cNvPr id="55" name="Straight Connector 54">
+            <a:extLst>
+              <a:ext uri="{FF2B5EF4-FFF2-40B4-BE49-F238E27FC236}">
+                <a16:creationId xmlns:a16="http://schemas.microsoft.com/office/drawing/2014/main" id="{2CA8AC0B-782F-8849-92F5-A427A4F65D0E}"/>
+              </a:ext>
+            </a:extLst>
+          </p:cNvPr>
+          <p:cNvCxnSpPr>
+            <a:cxnSpLocks/>
+          </p:cNvCxnSpPr>
+          <p:nvPr/>
+        </p:nvCxnSpPr>
+        <p:spPr>
+          <a:xfrm flipH="1">
+            <a:off x="1212244" y="1931685"/>
+            <a:ext cx="284021" cy="0"/>
+          </a:xfrm>
+          <a:prstGeom prst="line">
+            <a:avLst/>
+          </a:prstGeom>
+          <a:ln w="12700">
+            <a:solidFill>
+              <a:schemeClr val="tx1"/>
+            </a:solidFill>
+          </a:ln>
+        </p:spPr>
+        <p:style>
+          <a:lnRef idx="1">
+            <a:schemeClr val="accent1"/>
+          </a:lnRef>
+          <a:fillRef idx="0">
+            <a:schemeClr val="accent1"/>
+          </a:fillRef>
+          <a:effectRef idx="0">
+            <a:schemeClr val="accent1"/>
+          </a:effectRef>
+          <a:fontRef idx="minor">
+            <a:schemeClr val="tx1"/>
+          </a:fontRef>
+        </p:style>
+      </p:cxnSp>
+      <p:sp>
+        <p:nvSpPr>
+          <p:cNvPr id="56" name="Line 23">
+            <a:extLst>
+              <a:ext uri="{FF2B5EF4-FFF2-40B4-BE49-F238E27FC236}">
+                <a16:creationId xmlns:a16="http://schemas.microsoft.com/office/drawing/2014/main" id="{973DD475-78EF-2646-A02A-98D9C3C76F81}"/>
+              </a:ext>
+            </a:extLst>
+          </p:cNvPr>
+          <p:cNvSpPr>
+            <a:spLocks noChangeShapeType="1"/>
+          </p:cNvSpPr>
+          <p:nvPr/>
+        </p:nvSpPr>
+        <p:spPr bwMode="auto">
+          <a:xfrm>
+            <a:off x="1196133" y="3854261"/>
+            <a:ext cx="296418" cy="0"/>
+          </a:xfrm>
+          <a:prstGeom prst="line">
+            <a:avLst/>
+          </a:prstGeom>
+          <a:noFill/>
+          <a:ln w="9525">
+            <a:solidFill>
+              <a:srgbClr val="000000"/>
+            </a:solidFill>
+            <a:round/>
+            <a:headEnd/>
+            <a:tailEnd type="triangle" w="med" len="med"/>
+          </a:ln>
+          <a:extLst>
+            <a:ext uri="{909E8E84-426E-40DD-AFC4-6F175D3DCCD1}">
+              <a14:hiddenFill xmlns:a14="http://schemas.microsoft.com/office/drawing/2010/main">
+                <a:noFill/>
+              </a14:hiddenFill>
+            </a:ext>
+          </a:extLst>
+        </p:spPr>
+        <p:txBody>
+          <a:bodyPr vert="horz" wrap="square" lIns="91440" tIns="45720" rIns="91440" bIns="45720" numCol="1" anchor="t" anchorCtr="0" compatLnSpc="1">
+            <a:prstTxWarp prst="textNoShape">
+              <a:avLst/>
+            </a:prstTxWarp>
+          </a:bodyPr>
+          <a:lstStyle/>
+          <a:p>
+            <a:endParaRPr lang="en-US"/>
+          </a:p>
+        </p:txBody>
+      </p:sp>
+      <p:cxnSp>
+        <p:nvCxnSpPr>
+          <p:cNvPr id="57" name="Straight Connector 56">
+            <a:extLst>
+              <a:ext uri="{FF2B5EF4-FFF2-40B4-BE49-F238E27FC236}">
+                <a16:creationId xmlns:a16="http://schemas.microsoft.com/office/drawing/2014/main" id="{0C99325E-78EA-C24C-A91C-34AF9B6D969D}"/>
+              </a:ext>
+            </a:extLst>
+          </p:cNvPr>
+          <p:cNvCxnSpPr>
+            <a:cxnSpLocks/>
+          </p:cNvCxnSpPr>
+          <p:nvPr/>
+        </p:nvCxnSpPr>
+        <p:spPr>
+          <a:xfrm>
+            <a:off x="1202619" y="3712164"/>
+            <a:ext cx="0" cy="141589"/>
+          </a:xfrm>
+          <a:prstGeom prst="line">
+            <a:avLst/>
+          </a:prstGeom>
+          <a:ln w="12700">
+            <a:solidFill>
+              <a:schemeClr val="tx1"/>
+            </a:solidFill>
+          </a:ln>
+        </p:spPr>
+        <p:style>
+          <a:lnRef idx="1">
+            <a:schemeClr val="accent1"/>
+          </a:lnRef>
+          <a:fillRef idx="0">
+            <a:schemeClr val="accent1"/>
+          </a:fillRef>
+          <a:effectRef idx="0">
+            <a:schemeClr val="accent1"/>
+          </a:effectRef>
+          <a:fontRef idx="minor">
+            <a:schemeClr val="tx1"/>
+          </a:fontRef>
+        </p:style>
+      </p:cxnSp>
+      <p:cxnSp>
+        <p:nvCxnSpPr>
+          <p:cNvPr id="58" name="Straight Connector 57">
+            <a:extLst>
+              <a:ext uri="{FF2B5EF4-FFF2-40B4-BE49-F238E27FC236}">
+                <a16:creationId xmlns:a16="http://schemas.microsoft.com/office/drawing/2014/main" id="{4912B0EF-1FC2-484D-9E0F-BDA281A67773}"/>
+              </a:ext>
+            </a:extLst>
+          </p:cNvPr>
+          <p:cNvCxnSpPr>
+            <a:cxnSpLocks/>
+          </p:cNvCxnSpPr>
+          <p:nvPr/>
+        </p:nvCxnSpPr>
+        <p:spPr>
+          <a:xfrm flipH="1">
+            <a:off x="1197379" y="3712163"/>
+            <a:ext cx="284021" cy="0"/>
+          </a:xfrm>
+          <a:prstGeom prst="line">
+            <a:avLst/>
+          </a:prstGeom>
+          <a:ln w="12700">
+            <a:solidFill>
+              <a:schemeClr val="tx1"/>
+            </a:solidFill>
+          </a:ln>
+        </p:spPr>
+        <p:style>
+          <a:lnRef idx="1">
+            <a:schemeClr val="accent1"/>
+          </a:lnRef>
+          <a:fillRef idx="0">
+            <a:schemeClr val="accent1"/>
+          </a:fillRef>
+          <a:effectRef idx="0">
+            <a:schemeClr val="accent1"/>
+          </a:effectRef>
+          <a:fontRef idx="minor">
+            <a:schemeClr val="tx1"/>
+          </a:fontRef>
+        </p:style>
+      </p:cxnSp>
+      <p:sp>
+        <p:nvSpPr>
+          <p:cNvPr id="65" name="Line 23">
+            <a:extLst>
+              <a:ext uri="{FF2B5EF4-FFF2-40B4-BE49-F238E27FC236}">
+                <a16:creationId xmlns:a16="http://schemas.microsoft.com/office/drawing/2014/main" id="{FB79D50B-E4BF-B94D-BDA8-CF7DC36334EC}"/>
+              </a:ext>
+            </a:extLst>
+          </p:cNvPr>
+          <p:cNvSpPr>
+            <a:spLocks noChangeShapeType="1"/>
+          </p:cNvSpPr>
+          <p:nvPr/>
+        </p:nvSpPr>
+        <p:spPr bwMode="auto">
+          <a:xfrm flipH="1">
+            <a:off x="4623271" y="2754005"/>
+            <a:ext cx="296418" cy="0"/>
+          </a:xfrm>
+          <a:prstGeom prst="line">
+            <a:avLst/>
+          </a:prstGeom>
+          <a:noFill/>
+          <a:ln w="9525">
+            <a:solidFill>
+              <a:srgbClr val="000000"/>
+            </a:solidFill>
+            <a:round/>
+            <a:headEnd/>
+            <a:tailEnd type="triangle" w="med" len="med"/>
+          </a:ln>
+          <a:extLst>
+            <a:ext uri="{909E8E84-426E-40DD-AFC4-6F175D3DCCD1}">
+              <a14:hiddenFill xmlns:a14="http://schemas.microsoft.com/office/drawing/2010/main">
+                <a:noFill/>
+              </a14:hiddenFill>
+            </a:ext>
+          </a:extLst>
+        </p:spPr>
+        <p:txBody>
+          <a:bodyPr vert="horz" wrap="square" lIns="91440" tIns="45720" rIns="91440" bIns="45720" numCol="1" anchor="t" anchorCtr="0" compatLnSpc="1">
+            <a:prstTxWarp prst="textNoShape">
+              <a:avLst/>
+            </a:prstTxWarp>
+          </a:bodyPr>
+          <a:lstStyle/>
+          <a:p>
+            <a:endParaRPr lang="en-US"/>
+          </a:p>
+        </p:txBody>
+      </p:sp>
+      <p:cxnSp>
+        <p:nvCxnSpPr>
+          <p:cNvPr id="66" name="Straight Connector 65">
+            <a:extLst>
+              <a:ext uri="{FF2B5EF4-FFF2-40B4-BE49-F238E27FC236}">
+                <a16:creationId xmlns:a16="http://schemas.microsoft.com/office/drawing/2014/main" id="{ECF7EA6A-6F70-0645-9795-E49BAFE49893}"/>
+              </a:ext>
+            </a:extLst>
+          </p:cNvPr>
+          <p:cNvCxnSpPr>
+            <a:cxnSpLocks/>
+          </p:cNvCxnSpPr>
+          <p:nvPr/>
+        </p:nvCxnSpPr>
+        <p:spPr>
+          <a:xfrm flipH="1">
+            <a:off x="4919689" y="2608261"/>
+            <a:ext cx="7428" cy="145744"/>
+          </a:xfrm>
+          <a:prstGeom prst="line">
+            <a:avLst/>
+          </a:prstGeom>
+          <a:ln w="12700">
+            <a:solidFill>
+              <a:schemeClr val="tx1"/>
+            </a:solidFill>
+          </a:ln>
+        </p:spPr>
+        <p:style>
+          <a:lnRef idx="1">
+            <a:schemeClr val="accent1"/>
+          </a:lnRef>
+          <a:fillRef idx="0">
+            <a:schemeClr val="accent1"/>
+          </a:fillRef>
+          <a:effectRef idx="0">
+            <a:schemeClr val="accent1"/>
+          </a:effectRef>
+          <a:fontRef idx="minor">
+            <a:schemeClr val="tx1"/>
+          </a:fontRef>
+        </p:style>
+      </p:cxnSp>
+      <p:cxnSp>
+        <p:nvCxnSpPr>
+          <p:cNvPr id="67" name="Straight Connector 66">
+            <a:extLst>
+              <a:ext uri="{FF2B5EF4-FFF2-40B4-BE49-F238E27FC236}">
+                <a16:creationId xmlns:a16="http://schemas.microsoft.com/office/drawing/2014/main" id="{3D4FB9B7-BDA3-064A-A5D6-406C1C30F68F}"/>
+              </a:ext>
+            </a:extLst>
+          </p:cNvPr>
+          <p:cNvCxnSpPr>
+            <a:cxnSpLocks/>
+          </p:cNvCxnSpPr>
+          <p:nvPr/>
+        </p:nvCxnSpPr>
+        <p:spPr>
+          <a:xfrm flipH="1">
+            <a:off x="4635668" y="2611907"/>
+            <a:ext cx="284021" cy="0"/>
+          </a:xfrm>
+          <a:prstGeom prst="line">
+            <a:avLst/>
+          </a:prstGeom>
+          <a:ln w="12700">
+            <a:solidFill>
+              <a:schemeClr val="tx1"/>
+            </a:solidFill>
+          </a:ln>
+        </p:spPr>
+        <p:style>
+          <a:lnRef idx="1">
+            <a:schemeClr val="accent1"/>
+          </a:lnRef>
+          <a:fillRef idx="0">
+            <a:schemeClr val="accent1"/>
+          </a:fillRef>
+          <a:effectRef idx="0">
+            <a:schemeClr val="accent1"/>
+          </a:effectRef>
+          <a:fontRef idx="minor">
+            <a:schemeClr val="tx1"/>
+          </a:fontRef>
+        </p:style>
+      </p:cxnSp>
+      <p:sp>
+        <p:nvSpPr>
+          <p:cNvPr id="68" name="Line 23">
+            <a:extLst>
+              <a:ext uri="{FF2B5EF4-FFF2-40B4-BE49-F238E27FC236}">
+                <a16:creationId xmlns:a16="http://schemas.microsoft.com/office/drawing/2014/main" id="{F84DBA6E-D233-594B-A51A-8B0304247C63}"/>
+              </a:ext>
+            </a:extLst>
+          </p:cNvPr>
+          <p:cNvSpPr>
+            <a:spLocks noChangeShapeType="1"/>
+          </p:cNvSpPr>
+          <p:nvPr/>
+        </p:nvSpPr>
+        <p:spPr bwMode="auto">
+          <a:xfrm flipH="1">
+            <a:off x="4630708" y="3229789"/>
+            <a:ext cx="296418" cy="0"/>
+          </a:xfrm>
+          <a:prstGeom prst="line">
+            <a:avLst/>
+          </a:prstGeom>
+          <a:noFill/>
+          <a:ln w="9525">
+            <a:solidFill>
+              <a:srgbClr val="000000"/>
+            </a:solidFill>
+            <a:round/>
+            <a:headEnd/>
+            <a:tailEnd type="triangle" w="med" len="med"/>
+          </a:ln>
+          <a:extLst>
+            <a:ext uri="{909E8E84-426E-40DD-AFC4-6F175D3DCCD1}">
+              <a14:hiddenFill xmlns:a14="http://schemas.microsoft.com/office/drawing/2010/main">
+                <a:noFill/>
+              </a14:hiddenFill>
+            </a:ext>
+          </a:extLst>
+        </p:spPr>
+        <p:txBody>
+          <a:bodyPr vert="horz" wrap="square" lIns="91440" tIns="45720" rIns="91440" bIns="45720" numCol="1" anchor="t" anchorCtr="0" compatLnSpc="1">
+            <a:prstTxWarp prst="textNoShape">
+              <a:avLst/>
+            </a:prstTxWarp>
+          </a:bodyPr>
+          <a:lstStyle/>
+          <a:p>
+            <a:endParaRPr lang="en-US"/>
+          </a:p>
+        </p:txBody>
+      </p:sp>
+      <p:cxnSp>
+        <p:nvCxnSpPr>
+          <p:cNvPr id="69" name="Straight Connector 68">
+            <a:extLst>
+              <a:ext uri="{FF2B5EF4-FFF2-40B4-BE49-F238E27FC236}">
+                <a16:creationId xmlns:a16="http://schemas.microsoft.com/office/drawing/2014/main" id="{E96EB672-9AE7-5B4B-965A-52388E7F5EA9}"/>
+              </a:ext>
+            </a:extLst>
+          </p:cNvPr>
+          <p:cNvCxnSpPr>
+            <a:cxnSpLocks/>
+          </p:cNvCxnSpPr>
+          <p:nvPr/>
+        </p:nvCxnSpPr>
+        <p:spPr>
+          <a:xfrm flipH="1">
+            <a:off x="4927126" y="3084045"/>
+            <a:ext cx="7428" cy="145744"/>
+          </a:xfrm>
+          <a:prstGeom prst="line">
+            <a:avLst/>
+          </a:prstGeom>
+          <a:ln w="12700">
+            <a:solidFill>
+              <a:schemeClr val="tx1"/>
+            </a:solidFill>
+          </a:ln>
+        </p:spPr>
+        <p:style>
+          <a:lnRef idx="1">
+            <a:schemeClr val="accent1"/>
+          </a:lnRef>
+          <a:fillRef idx="0">
+            <a:schemeClr val="accent1"/>
+          </a:fillRef>
+          <a:effectRef idx="0">
+            <a:schemeClr val="accent1"/>
+          </a:effectRef>
+          <a:fontRef idx="minor">
+            <a:schemeClr val="tx1"/>
+          </a:fontRef>
+        </p:style>
+      </p:cxnSp>
+      <p:cxnSp>
+        <p:nvCxnSpPr>
+          <p:cNvPr id="70" name="Straight Connector 69">
+            <a:extLst>
+              <a:ext uri="{FF2B5EF4-FFF2-40B4-BE49-F238E27FC236}">
+                <a16:creationId xmlns:a16="http://schemas.microsoft.com/office/drawing/2014/main" id="{DC5BE9ED-3BC9-AC4C-B4E2-18573A6B08F3}"/>
+              </a:ext>
+            </a:extLst>
+          </p:cNvPr>
+          <p:cNvCxnSpPr>
+            <a:cxnSpLocks/>
+          </p:cNvCxnSpPr>
+          <p:nvPr/>
+        </p:nvCxnSpPr>
+        <p:spPr>
+          <a:xfrm flipH="1">
+            <a:off x="4643105" y="3087691"/>
+            <a:ext cx="284021" cy="0"/>
+          </a:xfrm>
+          <a:prstGeom prst="line">
+            <a:avLst/>
+          </a:prstGeom>
+          <a:ln w="12700">
+            <a:solidFill>
+              <a:schemeClr val="tx1"/>
+            </a:solidFill>
+          </a:ln>
+        </p:spPr>
+        <p:style>
+          <a:lnRef idx="1">
+            <a:schemeClr val="accent1"/>
+          </a:lnRef>
+          <a:fillRef idx="0">
+            <a:schemeClr val="accent1"/>
+          </a:fillRef>
+          <a:effectRef idx="0">
+            <a:schemeClr val="accent1"/>
+          </a:effectRef>
+          <a:fontRef idx="minor">
+            <a:schemeClr val="tx1"/>
+          </a:fontRef>
+        </p:style>
+      </p:cxnSp>
+      <p:sp>
+        <p:nvSpPr>
+          <p:cNvPr id="71" name="Line 23">
+            <a:extLst>
+              <a:ext uri="{FF2B5EF4-FFF2-40B4-BE49-F238E27FC236}">
+                <a16:creationId xmlns:a16="http://schemas.microsoft.com/office/drawing/2014/main" id="{7289493E-4DB7-D241-8F3A-531C3419B7B4}"/>
+              </a:ext>
+            </a:extLst>
+          </p:cNvPr>
+          <p:cNvSpPr>
+            <a:spLocks noChangeShapeType="1"/>
+          </p:cNvSpPr>
+          <p:nvPr/>
+        </p:nvSpPr>
+        <p:spPr bwMode="auto">
+          <a:xfrm flipH="1">
+            <a:off x="4626992" y="4330042"/>
+            <a:ext cx="296418" cy="0"/>
+          </a:xfrm>
+          <a:prstGeom prst="line">
+            <a:avLst/>
+          </a:prstGeom>
+          <a:noFill/>
+          <a:ln w="9525">
+            <a:solidFill>
+              <a:srgbClr val="000000"/>
+            </a:solidFill>
+            <a:round/>
+            <a:headEnd/>
+            <a:tailEnd type="triangle" w="med" len="med"/>
+          </a:ln>
+          <a:extLst>
+            <a:ext uri="{909E8E84-426E-40DD-AFC4-6F175D3DCCD1}">
+              <a14:hiddenFill xmlns:a14="http://schemas.microsoft.com/office/drawing/2010/main">
+                <a:noFill/>
+              </a14:hiddenFill>
+            </a:ext>
+          </a:extLst>
+        </p:spPr>
+        <p:txBody>
+          <a:bodyPr vert="horz" wrap="square" lIns="91440" tIns="45720" rIns="91440" bIns="45720" numCol="1" anchor="t" anchorCtr="0" compatLnSpc="1">
+            <a:prstTxWarp prst="textNoShape">
+              <a:avLst/>
+            </a:prstTxWarp>
+          </a:bodyPr>
+          <a:lstStyle/>
+          <a:p>
+            <a:endParaRPr lang="en-US"/>
+          </a:p>
+        </p:txBody>
+      </p:sp>
+      <p:cxnSp>
+        <p:nvCxnSpPr>
+          <p:cNvPr id="72" name="Straight Connector 71">
+            <a:extLst>
+              <a:ext uri="{FF2B5EF4-FFF2-40B4-BE49-F238E27FC236}">
+                <a16:creationId xmlns:a16="http://schemas.microsoft.com/office/drawing/2014/main" id="{A3D0917A-B0A3-FE4E-B8BE-FE91473B7749}"/>
+              </a:ext>
+            </a:extLst>
+          </p:cNvPr>
+          <p:cNvCxnSpPr>
+            <a:cxnSpLocks/>
+          </p:cNvCxnSpPr>
+          <p:nvPr/>
+        </p:nvCxnSpPr>
+        <p:spPr>
+          <a:xfrm flipH="1">
+            <a:off x="4923410" y="4184298"/>
+            <a:ext cx="7428" cy="145744"/>
+          </a:xfrm>
+          <a:prstGeom prst="line">
+            <a:avLst/>
+          </a:prstGeom>
+          <a:ln w="12700">
+            <a:solidFill>
+              <a:schemeClr val="tx1"/>
+            </a:solidFill>
+          </a:ln>
+        </p:spPr>
+        <p:style>
+          <a:lnRef idx="1">
+            <a:schemeClr val="accent1"/>
+          </a:lnRef>
+          <a:fillRef idx="0">
+            <a:schemeClr val="accent1"/>
+          </a:fillRef>
+          <a:effectRef idx="0">
+            <a:schemeClr val="accent1"/>
+          </a:effectRef>
+          <a:fontRef idx="minor">
+            <a:schemeClr val="tx1"/>
+          </a:fontRef>
+        </p:style>
+      </p:cxnSp>
+      <p:cxnSp>
+        <p:nvCxnSpPr>
+          <p:cNvPr id="73" name="Straight Connector 72">
+            <a:extLst>
+              <a:ext uri="{FF2B5EF4-FFF2-40B4-BE49-F238E27FC236}">
+                <a16:creationId xmlns:a16="http://schemas.microsoft.com/office/drawing/2014/main" id="{27773171-68A5-1741-8737-E3D1E2FEB336}"/>
+              </a:ext>
+            </a:extLst>
+          </p:cNvPr>
+          <p:cNvCxnSpPr>
+            <a:cxnSpLocks/>
+          </p:cNvCxnSpPr>
+          <p:nvPr/>
+        </p:nvCxnSpPr>
+        <p:spPr>
+          <a:xfrm flipH="1">
+            <a:off x="4639389" y="4187944"/>
+            <a:ext cx="284021" cy="0"/>
+          </a:xfrm>
+          <a:prstGeom prst="line">
+            <a:avLst/>
+          </a:prstGeom>
+          <a:ln w="12700">
+            <a:solidFill>
+              <a:schemeClr val="tx1"/>
+            </a:solidFill>
+          </a:ln>
+        </p:spPr>
+        <p:style>
+          <a:lnRef idx="1">
+            <a:schemeClr val="accent1"/>
+          </a:lnRef>
+          <a:fillRef idx="0">
+            <a:schemeClr val="accent1"/>
+          </a:fillRef>
+          <a:effectRef idx="0">
+            <a:schemeClr val="accent1"/>
+          </a:effectRef>
+          <a:fontRef idx="minor">
+            <a:schemeClr val="tx1"/>
+          </a:fontRef>
+        </p:style>
+      </p:cxnSp>
     </p:spTree>
     <p:extLst>
       <p:ext uri="{BB962C8B-B14F-4D97-AF65-F5344CB8AC3E}">
